--- a/presentation.pptx
+++ b/presentation.pptx
@@ -5,7 +5,7 @@
     <p:sldMasterId id="2147483658" r:id="rId1"/>
   </p:sldMasterIdLst>
   <p:notesMasterIdLst>
-    <p:notesMasterId r:id="rId34"/>
+    <p:notesMasterId r:id="rId33"/>
   </p:notesMasterIdLst>
   <p:sldIdLst>
     <p:sldId id="256" r:id="rId2"/>
@@ -27,41 +27,40 @@
     <p:sldId id="330" r:id="rId18"/>
     <p:sldId id="332" r:id="rId19"/>
     <p:sldId id="310" r:id="rId20"/>
-    <p:sldId id="317" r:id="rId21"/>
-    <p:sldId id="313" r:id="rId22"/>
-    <p:sldId id="318" r:id="rId23"/>
-    <p:sldId id="325" r:id="rId24"/>
-    <p:sldId id="319" r:id="rId25"/>
-    <p:sldId id="326" r:id="rId26"/>
-    <p:sldId id="320" r:id="rId27"/>
-    <p:sldId id="327" r:id="rId28"/>
-    <p:sldId id="321" r:id="rId29"/>
-    <p:sldId id="322" r:id="rId30"/>
-    <p:sldId id="328" r:id="rId31"/>
-    <p:sldId id="329" r:id="rId32"/>
-    <p:sldId id="278" r:id="rId33"/>
+    <p:sldId id="313" r:id="rId21"/>
+    <p:sldId id="318" r:id="rId22"/>
+    <p:sldId id="325" r:id="rId23"/>
+    <p:sldId id="319" r:id="rId24"/>
+    <p:sldId id="326" r:id="rId25"/>
+    <p:sldId id="320" r:id="rId26"/>
+    <p:sldId id="327" r:id="rId27"/>
+    <p:sldId id="321" r:id="rId28"/>
+    <p:sldId id="322" r:id="rId29"/>
+    <p:sldId id="328" r:id="rId30"/>
+    <p:sldId id="329" r:id="rId31"/>
+    <p:sldId id="278" r:id="rId32"/>
   </p:sldIdLst>
   <p:sldSz cx="9144000" cy="5143500" type="screen16x9"/>
   <p:notesSz cx="6858000" cy="9144000"/>
   <p:embeddedFontLst>
     <p:embeddedFont>
       <p:font typeface="Calibri" panose="020F0502020204030204" pitchFamily="34" charset="0"/>
-      <p:regular r:id="rId35"/>
-      <p:bold r:id="rId36"/>
-      <p:italic r:id="rId37"/>
-      <p:boldItalic r:id="rId38"/>
+      <p:regular r:id="rId34"/>
+      <p:bold r:id="rId35"/>
+      <p:italic r:id="rId36"/>
+      <p:boldItalic r:id="rId37"/>
     </p:embeddedFont>
     <p:embeddedFont>
       <p:font typeface="Consolas" panose="020B0609020204030204" pitchFamily="49" charset="0"/>
-      <p:regular r:id="rId39"/>
-      <p:bold r:id="rId40"/>
-      <p:italic r:id="rId41"/>
-      <p:boldItalic r:id="rId42"/>
+      <p:regular r:id="rId38"/>
+      <p:bold r:id="rId39"/>
+      <p:italic r:id="rId40"/>
+      <p:boldItalic r:id="rId41"/>
     </p:embeddedFont>
     <p:embeddedFont>
       <p:font typeface="Quicksand" panose="020B0604020202020204" charset="0"/>
-      <p:regular r:id="rId43"/>
-      <p:bold r:id="rId44"/>
+      <p:regular r:id="rId42"/>
+      <p:bold r:id="rId43"/>
     </p:embeddedFont>
   </p:embeddedFontLst>
   <p:defaultTextStyle>
@@ -5133,92 +5132,34 @@
               <a:buNone/>
             </a:pPr>
             <a:r>
-              <a:rPr lang="it-IT" dirty="0" err="1"/>
-              <a:t>Realtime</a:t>
-            </a:r>
-            <a:r>
-              <a:rPr lang="it-IT" dirty="0"/>
-              <a:t> is </a:t>
-            </a:r>
-            <a:r>
-              <a:rPr lang="it-IT" dirty="0" err="1"/>
-              <a:t>usefull</a:t>
-            </a:r>
-            <a:r>
-              <a:rPr lang="it-IT" dirty="0"/>
-              <a:t> </a:t>
-            </a:r>
-            <a:r>
-              <a:rPr lang="it-IT" dirty="0" err="1"/>
-              <a:t>when</a:t>
-            </a:r>
-            <a:r>
-              <a:rPr lang="it-IT" dirty="0"/>
-              <a:t> </a:t>
-            </a:r>
-            <a:r>
-              <a:rPr lang="it-IT" dirty="0" err="1"/>
-              <a:t>you</a:t>
-            </a:r>
-            <a:r>
-              <a:rPr lang="it-IT" dirty="0"/>
-              <a:t> </a:t>
-            </a:r>
-            <a:r>
-              <a:rPr lang="it-IT" dirty="0" err="1"/>
-              <a:t>want</a:t>
-            </a:r>
-            <a:r>
-              <a:rPr lang="it-IT" dirty="0"/>
-              <a:t> to </a:t>
-            </a:r>
-            <a:r>
-              <a:rPr lang="it-IT" dirty="0" err="1"/>
-              <a:t>analyze</a:t>
-            </a:r>
-            <a:r>
-              <a:rPr lang="it-IT" dirty="0"/>
-              <a:t> real-time </a:t>
-            </a:r>
-            <a:r>
-              <a:rPr lang="it-IT" dirty="0" err="1"/>
-              <a:t>behaviour</a:t>
-            </a:r>
-            <a:r>
-              <a:rPr lang="it-IT" dirty="0"/>
-              <a:t> (</a:t>
-            </a:r>
-            <a:r>
-              <a:rPr lang="it-IT" dirty="0" err="1"/>
-              <a:t>trivial</a:t>
-            </a:r>
-            <a:r>
-              <a:rPr lang="it-IT" dirty="0"/>
-              <a:t>) or </a:t>
-            </a:r>
-            <a:r>
-              <a:rPr lang="it-IT" dirty="0" err="1"/>
-              <a:t>if</a:t>
-            </a:r>
-            <a:r>
-              <a:rPr lang="it-IT" dirty="0"/>
-              <a:t> </a:t>
-            </a:r>
-            <a:r>
-              <a:rPr lang="it-IT" dirty="0" err="1"/>
-              <a:t>you</a:t>
-            </a:r>
-            <a:r>
-              <a:rPr lang="it-IT" dirty="0"/>
-              <a:t> </a:t>
-            </a:r>
-            <a:r>
-              <a:rPr lang="it-IT" dirty="0" err="1"/>
-              <a:t>have</a:t>
-            </a:r>
-            <a:r>
-              <a:rPr lang="it-IT" dirty="0"/>
-              <a:t> human interaction with the simulation</a:t>
+              <a:rPr lang="en-US" b="0" i="0" dirty="0">
+                <a:solidFill>
+                  <a:srgbClr val="202124"/>
+                </a:solidFill>
+                <a:effectLst/>
+                <a:latin typeface="arial" panose="020B0604020202020204" pitchFamily="34" charset="0"/>
+              </a:rPr>
+              <a:t>future, promise, delay, and deferred refer to </a:t>
+            </a:r>
+            <a:r>
+              <a:rPr lang="en-US" b="1" i="0" dirty="0">
+                <a:solidFill>
+                  <a:srgbClr val="202124"/>
+                </a:solidFill>
+                <a:effectLst/>
+                <a:latin typeface="arial" panose="020B0604020202020204" pitchFamily="34" charset="0"/>
+              </a:rPr>
+              <a:t>constructs used for synchronizing program execution in some concurrent programming languages</a:t>
+            </a:r>
+            <a:r>
+              <a:rPr lang="en-US" b="0" i="0" dirty="0">
+                <a:solidFill>
+                  <a:srgbClr val="202124"/>
+                </a:solidFill>
+                <a:effectLst/>
+                <a:latin typeface="arial" panose="020B0604020202020204" pitchFamily="34" charset="0"/>
+              </a:rPr>
+              <a:t>.</a:t>
             </a:r>
             <a:endParaRPr dirty="0"/>
           </a:p>
@@ -7577,7 +7518,7 @@
     </p:spTree>
     <p:extLst>
       <p:ext uri="{BB962C8B-B14F-4D97-AF65-F5344CB8AC3E}">
-        <p14:creationId xmlns:p14="http://schemas.microsoft.com/office/powerpoint/2010/main" val="4019311912"/>
+        <p14:creationId xmlns:p14="http://schemas.microsoft.com/office/powerpoint/2010/main" val="558798957"/>
       </p:ext>
     </p:extLst>
   </p:cSld>
@@ -8058,7 +7999,7 @@
     </p:spTree>
     <p:extLst>
       <p:ext uri="{BB962C8B-B14F-4D97-AF65-F5344CB8AC3E}">
-        <p14:creationId xmlns:p14="http://schemas.microsoft.com/office/powerpoint/2010/main" val="558798957"/>
+        <p14:creationId xmlns:p14="http://schemas.microsoft.com/office/powerpoint/2010/main" val="3107131347"/>
       </p:ext>
     </p:extLst>
   </p:cSld>
@@ -8069,6 +8010,115 @@
 </file>
 
 <file path=ppt/notesSlides/notesSlide22.xml><?xml version="1.0" encoding="utf-8"?>
+<p:notes xmlns:a="http://schemas.openxmlformats.org/drawingml/2006/main" xmlns:r="http://schemas.openxmlformats.org/officeDocument/2006/relationships" xmlns:p="http://schemas.openxmlformats.org/presentationml/2006/main" showMasterSp="0" showMasterPhAnim="0">
+  <p:cSld>
+    <p:spTree>
+      <p:nvGrpSpPr>
+        <p:cNvPr id="1" name="Shape 271"/>
+        <p:cNvGrpSpPr/>
+        <p:nvPr/>
+      </p:nvGrpSpPr>
+      <p:grpSpPr>
+        <a:xfrm>
+          <a:off x="0" y="0"/>
+          <a:ext cx="0" cy="0"/>
+          <a:chOff x="0" y="0"/>
+          <a:chExt cx="0" cy="0"/>
+        </a:xfrm>
+      </p:grpSpPr>
+      <p:sp>
+        <p:nvSpPr>
+          <p:cNvPr id="272" name="Google Shape;272;g35ed75ccf_073:notes"/>
+          <p:cNvSpPr>
+            <a:spLocks noGrp="1" noRot="1" noChangeAspect="1"/>
+          </p:cNvSpPr>
+          <p:nvPr>
+            <p:ph type="sldImg" idx="2"/>
+          </p:nvPr>
+        </p:nvSpPr>
+        <p:spPr>
+          <a:xfrm>
+            <a:off x="381000" y="685800"/>
+            <a:ext cx="6096000" cy="3429000"/>
+          </a:xfrm>
+          <a:custGeom>
+            <a:avLst/>
+            <a:gdLst/>
+            <a:ahLst/>
+            <a:cxnLst/>
+            <a:rect l="l" t="t" r="r" b="b"/>
+            <a:pathLst>
+              <a:path w="120000" h="120000" extrusionOk="0">
+                <a:moveTo>
+                  <a:pt x="0" y="0"/>
+                </a:moveTo>
+                <a:lnTo>
+                  <a:pt x="120000" y="0"/>
+                </a:lnTo>
+                <a:lnTo>
+                  <a:pt x="120000" y="120000"/>
+                </a:lnTo>
+                <a:lnTo>
+                  <a:pt x="0" y="120000"/>
+                </a:lnTo>
+                <a:close/>
+              </a:path>
+            </a:pathLst>
+          </a:custGeom>
+        </p:spPr>
+      </p:sp>
+      <p:sp>
+        <p:nvSpPr>
+          <p:cNvPr id="273" name="Google Shape;273;g35ed75ccf_073:notes"/>
+          <p:cNvSpPr txBox="1">
+            <a:spLocks noGrp="1"/>
+          </p:cNvSpPr>
+          <p:nvPr>
+            <p:ph type="body" idx="1"/>
+          </p:nvPr>
+        </p:nvSpPr>
+        <p:spPr>
+          <a:xfrm>
+            <a:off x="685800" y="4343400"/>
+            <a:ext cx="5486400" cy="4114800"/>
+          </a:xfrm>
+          <a:prstGeom prst="rect">
+            <a:avLst/>
+          </a:prstGeom>
+        </p:spPr>
+        <p:txBody>
+          <a:bodyPr spcFirstLastPara="1" wrap="square" lIns="91425" tIns="91425" rIns="91425" bIns="91425" anchor="t" anchorCtr="0">
+            <a:noAutofit/>
+          </a:bodyPr>
+          <a:lstStyle/>
+          <a:p>
+            <a:pPr marL="0" lvl="0" indent="0" algn="l" rtl="0">
+              <a:spcBef>
+                <a:spcPts val="0"/>
+              </a:spcBef>
+              <a:spcAft>
+                <a:spcPts val="0"/>
+              </a:spcAft>
+              <a:buNone/>
+            </a:pPr>
+            <a:endParaRPr dirty="0"/>
+          </a:p>
+        </p:txBody>
+      </p:sp>
+    </p:spTree>
+    <p:extLst>
+      <p:ext uri="{BB962C8B-B14F-4D97-AF65-F5344CB8AC3E}">
+        <p14:creationId xmlns:p14="http://schemas.microsoft.com/office/powerpoint/2010/main" val="3037826460"/>
+      </p:ext>
+    </p:extLst>
+  </p:cSld>
+  <p:clrMapOvr>
+    <a:masterClrMapping/>
+  </p:clrMapOvr>
+</p:notes>
+</file>
+
+<file path=ppt/notesSlides/notesSlide23.xml><?xml version="1.0" encoding="utf-8"?>
 <p:notes xmlns:a="http://schemas.openxmlformats.org/drawingml/2006/main" xmlns:r="http://schemas.openxmlformats.org/officeDocument/2006/relationships" xmlns:p="http://schemas.openxmlformats.org/presentationml/2006/main" showMasterSp="0" showMasterPhAnim="0">
   <p:cSld>
     <p:spTree>
@@ -8539,7 +8589,7 @@
     </p:spTree>
     <p:extLst>
       <p:ext uri="{BB962C8B-B14F-4D97-AF65-F5344CB8AC3E}">
-        <p14:creationId xmlns:p14="http://schemas.microsoft.com/office/powerpoint/2010/main" val="3107131347"/>
+        <p14:creationId xmlns:p14="http://schemas.microsoft.com/office/powerpoint/2010/main" val="4154537390"/>
       </p:ext>
     </p:extLst>
   </p:cSld>
@@ -8549,7 +8599,7 @@
 </p:notes>
 </file>
 
-<file path=ppt/notesSlides/notesSlide23.xml><?xml version="1.0" encoding="utf-8"?>
+<file path=ppt/notesSlides/notesSlide24.xml><?xml version="1.0" encoding="utf-8"?>
 <p:notes xmlns:a="http://schemas.openxmlformats.org/drawingml/2006/main" xmlns:r="http://schemas.openxmlformats.org/officeDocument/2006/relationships" xmlns:p="http://schemas.openxmlformats.org/presentationml/2006/main" showMasterSp="0" showMasterPhAnim="0">
   <p:cSld>
     <p:spTree>
@@ -8641,14 +8691,14 @@
               </a:spcAft>
               <a:buNone/>
             </a:pPr>
-            <a:endParaRPr dirty="0"/>
+            <a:endParaRPr/>
           </a:p>
         </p:txBody>
       </p:sp>
     </p:spTree>
     <p:extLst>
       <p:ext uri="{BB962C8B-B14F-4D97-AF65-F5344CB8AC3E}">
-        <p14:creationId xmlns:p14="http://schemas.microsoft.com/office/powerpoint/2010/main" val="3037826460"/>
+        <p14:creationId xmlns:p14="http://schemas.microsoft.com/office/powerpoint/2010/main" val="380130865"/>
       </p:ext>
     </p:extLst>
   </p:cSld>
@@ -8658,7 +8708,7 @@
 </p:notes>
 </file>
 
-<file path=ppt/notesSlides/notesSlide24.xml><?xml version="1.0" encoding="utf-8"?>
+<file path=ppt/notesSlides/notesSlide25.xml><?xml version="1.0" encoding="utf-8"?>
 <p:notes xmlns:a="http://schemas.openxmlformats.org/drawingml/2006/main" xmlns:r="http://schemas.openxmlformats.org/officeDocument/2006/relationships" xmlns:p="http://schemas.openxmlformats.org/presentationml/2006/main" showMasterSp="0" showMasterPhAnim="0">
   <p:cSld>
     <p:spTree>
@@ -9129,7 +9179,7 @@
     </p:spTree>
     <p:extLst>
       <p:ext uri="{BB962C8B-B14F-4D97-AF65-F5344CB8AC3E}">
-        <p14:creationId xmlns:p14="http://schemas.microsoft.com/office/powerpoint/2010/main" val="4154537390"/>
+        <p14:creationId xmlns:p14="http://schemas.microsoft.com/office/powerpoint/2010/main" val="84379445"/>
       </p:ext>
     </p:extLst>
   </p:cSld>
@@ -9139,7 +9189,7 @@
 </p:notes>
 </file>
 
-<file path=ppt/notesSlides/notesSlide25.xml><?xml version="1.0" encoding="utf-8"?>
+<file path=ppt/notesSlides/notesSlide26.xml><?xml version="1.0" encoding="utf-8"?>
 <p:notes xmlns:a="http://schemas.openxmlformats.org/drawingml/2006/main" xmlns:r="http://schemas.openxmlformats.org/officeDocument/2006/relationships" xmlns:p="http://schemas.openxmlformats.org/presentationml/2006/main" showMasterSp="0" showMasterPhAnim="0">
   <p:cSld>
     <p:spTree>
@@ -9238,7 +9288,7 @@
     </p:spTree>
     <p:extLst>
       <p:ext uri="{BB962C8B-B14F-4D97-AF65-F5344CB8AC3E}">
-        <p14:creationId xmlns:p14="http://schemas.microsoft.com/office/powerpoint/2010/main" val="380130865"/>
+        <p14:creationId xmlns:p14="http://schemas.microsoft.com/office/powerpoint/2010/main" val="2360722046"/>
       </p:ext>
     </p:extLst>
   </p:cSld>
@@ -9248,7 +9298,7 @@
 </p:notes>
 </file>
 
-<file path=ppt/notesSlides/notesSlide26.xml><?xml version="1.0" encoding="utf-8"?>
+<file path=ppt/notesSlides/notesSlide27.xml><?xml version="1.0" encoding="utf-8"?>
 <p:notes xmlns:a="http://schemas.openxmlformats.org/drawingml/2006/main" xmlns:r="http://schemas.openxmlformats.org/officeDocument/2006/relationships" xmlns:p="http://schemas.openxmlformats.org/presentationml/2006/main" showMasterSp="0" showMasterPhAnim="0">
   <p:cSld>
     <p:spTree>
@@ -9719,116 +9769,7 @@
     </p:spTree>
     <p:extLst>
       <p:ext uri="{BB962C8B-B14F-4D97-AF65-F5344CB8AC3E}">
-        <p14:creationId xmlns:p14="http://schemas.microsoft.com/office/powerpoint/2010/main" val="84379445"/>
-      </p:ext>
-    </p:extLst>
-  </p:cSld>
-  <p:clrMapOvr>
-    <a:masterClrMapping/>
-  </p:clrMapOvr>
-</p:notes>
-</file>
-
-<file path=ppt/notesSlides/notesSlide27.xml><?xml version="1.0" encoding="utf-8"?>
-<p:notes xmlns:a="http://schemas.openxmlformats.org/drawingml/2006/main" xmlns:r="http://schemas.openxmlformats.org/officeDocument/2006/relationships" xmlns:p="http://schemas.openxmlformats.org/presentationml/2006/main" showMasterSp="0" showMasterPhAnim="0">
-  <p:cSld>
-    <p:spTree>
-      <p:nvGrpSpPr>
-        <p:cNvPr id="1" name="Shape 271"/>
-        <p:cNvGrpSpPr/>
-        <p:nvPr/>
-      </p:nvGrpSpPr>
-      <p:grpSpPr>
-        <a:xfrm>
-          <a:off x="0" y="0"/>
-          <a:ext cx="0" cy="0"/>
-          <a:chOff x="0" y="0"/>
-          <a:chExt cx="0" cy="0"/>
-        </a:xfrm>
-      </p:grpSpPr>
-      <p:sp>
-        <p:nvSpPr>
-          <p:cNvPr id="272" name="Google Shape;272;g35ed75ccf_073:notes"/>
-          <p:cNvSpPr>
-            <a:spLocks noGrp="1" noRot="1" noChangeAspect="1"/>
-          </p:cNvSpPr>
-          <p:nvPr>
-            <p:ph type="sldImg" idx="2"/>
-          </p:nvPr>
-        </p:nvSpPr>
-        <p:spPr>
-          <a:xfrm>
-            <a:off x="381000" y="685800"/>
-            <a:ext cx="6096000" cy="3429000"/>
-          </a:xfrm>
-          <a:custGeom>
-            <a:avLst/>
-            <a:gdLst/>
-            <a:ahLst/>
-            <a:cxnLst/>
-            <a:rect l="l" t="t" r="r" b="b"/>
-            <a:pathLst>
-              <a:path w="120000" h="120000" extrusionOk="0">
-                <a:moveTo>
-                  <a:pt x="0" y="0"/>
-                </a:moveTo>
-                <a:lnTo>
-                  <a:pt x="120000" y="0"/>
-                </a:lnTo>
-                <a:lnTo>
-                  <a:pt x="120000" y="120000"/>
-                </a:lnTo>
-                <a:lnTo>
-                  <a:pt x="0" y="120000"/>
-                </a:lnTo>
-                <a:close/>
-              </a:path>
-            </a:pathLst>
-          </a:custGeom>
-        </p:spPr>
-      </p:sp>
-      <p:sp>
-        <p:nvSpPr>
-          <p:cNvPr id="273" name="Google Shape;273;g35ed75ccf_073:notes"/>
-          <p:cNvSpPr txBox="1">
-            <a:spLocks noGrp="1"/>
-          </p:cNvSpPr>
-          <p:nvPr>
-            <p:ph type="body" idx="1"/>
-          </p:nvPr>
-        </p:nvSpPr>
-        <p:spPr>
-          <a:xfrm>
-            <a:off x="685800" y="4343400"/>
-            <a:ext cx="5486400" cy="4114800"/>
-          </a:xfrm>
-          <a:prstGeom prst="rect">
-            <a:avLst/>
-          </a:prstGeom>
-        </p:spPr>
-        <p:txBody>
-          <a:bodyPr spcFirstLastPara="1" wrap="square" lIns="91425" tIns="91425" rIns="91425" bIns="91425" anchor="t" anchorCtr="0">
-            <a:noAutofit/>
-          </a:bodyPr>
-          <a:lstStyle/>
-          <a:p>
-            <a:pPr marL="0" lvl="0" indent="0" algn="l" rtl="0">
-              <a:spcBef>
-                <a:spcPts val="0"/>
-              </a:spcBef>
-              <a:spcAft>
-                <a:spcPts val="0"/>
-              </a:spcAft>
-              <a:buNone/>
-            </a:pPr>
-            <a:endParaRPr/>
-          </a:p>
-        </p:txBody>
-      </p:sp>
-    </p:spTree>
-    <p:extLst>
-      <p:ext uri="{BB962C8B-B14F-4D97-AF65-F5344CB8AC3E}">
-        <p14:creationId xmlns:p14="http://schemas.microsoft.com/office/powerpoint/2010/main" val="2360722046"/>
+        <p14:creationId xmlns:p14="http://schemas.microsoft.com/office/powerpoint/2010/main" val="1762603936"/>
       </p:ext>
     </p:extLst>
   </p:cSld>
@@ -10309,7 +10250,7 @@
     </p:spTree>
     <p:extLst>
       <p:ext uri="{BB962C8B-B14F-4D97-AF65-F5344CB8AC3E}">
-        <p14:creationId xmlns:p14="http://schemas.microsoft.com/office/powerpoint/2010/main" val="1762603936"/>
+        <p14:creationId xmlns:p14="http://schemas.microsoft.com/office/powerpoint/2010/main" val="2681603779"/>
       </p:ext>
     </p:extLst>
   </p:cSld>
@@ -10324,7 +10265,7 @@
   <p:cSld>
     <p:spTree>
       <p:nvGrpSpPr>
-        <p:cNvPr id="1" name="Shape 72"/>
+        <p:cNvPr id="1" name="Shape 339"/>
         <p:cNvGrpSpPr/>
         <p:nvPr/>
       </p:nvGrpSpPr>
@@ -10338,7 +10279,7 @@
       </p:grpSpPr>
       <p:sp>
         <p:nvSpPr>
-          <p:cNvPr id="73" name="Google Shape;73;g3606f1c2d_30:notes"/>
+          <p:cNvPr id="340" name="Google Shape;340;g35ed75ccf_0134:notes"/>
           <p:cNvSpPr>
             <a:spLocks noGrp="1" noRot="1" noChangeAspect="1"/>
           </p:cNvSpPr>
@@ -10379,7 +10320,7 @@
       </p:sp>
       <p:sp>
         <p:nvSpPr>
-          <p:cNvPr id="74" name="Google Shape;74;g3606f1c2d_30:notes"/>
+          <p:cNvPr id="341" name="Google Shape;341;g35ed75ccf_0134:notes"/>
           <p:cNvSpPr txBox="1">
             <a:spLocks noGrp="1"/>
           </p:cNvSpPr>
@@ -10411,386 +10352,14 @@
               </a:spcAft>
               <a:buNone/>
             </a:pPr>
-            <a:r>
-              <a:rPr lang="it-IT" dirty="0" err="1"/>
-              <a:t>Realtime</a:t>
-            </a:r>
-            <a:r>
-              <a:rPr lang="it-IT" dirty="0"/>
-              <a:t> is </a:t>
-            </a:r>
-            <a:r>
-              <a:rPr lang="it-IT" dirty="0" err="1"/>
-              <a:t>usefull</a:t>
-            </a:r>
-            <a:r>
-              <a:rPr lang="it-IT" dirty="0"/>
-              <a:t> </a:t>
-            </a:r>
-            <a:r>
-              <a:rPr lang="it-IT" dirty="0" err="1"/>
-              <a:t>when</a:t>
-            </a:r>
-            <a:r>
-              <a:rPr lang="it-IT" dirty="0"/>
-              <a:t> </a:t>
-            </a:r>
-            <a:r>
-              <a:rPr lang="it-IT" dirty="0" err="1"/>
-              <a:t>you</a:t>
-            </a:r>
-            <a:r>
-              <a:rPr lang="it-IT" dirty="0"/>
-              <a:t> </a:t>
-            </a:r>
-            <a:r>
-              <a:rPr lang="it-IT" dirty="0" err="1"/>
-              <a:t>want</a:t>
-            </a:r>
-            <a:r>
-              <a:rPr lang="it-IT" dirty="0"/>
-              <a:t> to </a:t>
-            </a:r>
-            <a:r>
-              <a:rPr lang="it-IT" dirty="0" err="1"/>
-              <a:t>analyze</a:t>
-            </a:r>
-            <a:r>
-              <a:rPr lang="it-IT" dirty="0"/>
-              <a:t> real-time </a:t>
-            </a:r>
-            <a:r>
-              <a:rPr lang="it-IT" dirty="0" err="1"/>
-              <a:t>behaviour</a:t>
-            </a:r>
-            <a:r>
-              <a:rPr lang="it-IT" dirty="0"/>
-              <a:t> (</a:t>
-            </a:r>
-            <a:r>
-              <a:rPr lang="it-IT" dirty="0" err="1"/>
-              <a:t>trivial</a:t>
-            </a:r>
-            <a:r>
-              <a:rPr lang="it-IT" dirty="0"/>
-              <a:t>) or </a:t>
-            </a:r>
-            <a:r>
-              <a:rPr lang="it-IT" dirty="0" err="1"/>
-              <a:t>if</a:t>
-            </a:r>
-            <a:r>
-              <a:rPr lang="it-IT" dirty="0"/>
-              <a:t> </a:t>
-            </a:r>
-            <a:r>
-              <a:rPr lang="it-IT" dirty="0" err="1"/>
-              <a:t>you</a:t>
-            </a:r>
-            <a:r>
-              <a:rPr lang="it-IT" dirty="0"/>
-              <a:t> </a:t>
-            </a:r>
-            <a:r>
-              <a:rPr lang="it-IT" dirty="0" err="1"/>
-              <a:t>have</a:t>
-            </a:r>
-            <a:r>
-              <a:rPr lang="it-IT" dirty="0"/>
-              <a:t> human interaction with the simulation</a:t>
-            </a:r>
-          </a:p>
-          <a:p>
-            <a:pPr marL="0" lvl="0" indent="0" algn="l" rtl="0">
-              <a:spcBef>
-                <a:spcPts val="0"/>
-              </a:spcBef>
-              <a:spcAft>
-                <a:spcPts val="0"/>
-              </a:spcAft>
-              <a:buNone/>
-            </a:pPr>
-            <a:endParaRPr lang="it-IT" dirty="0"/>
-          </a:p>
-          <a:p>
-            <a:pPr marL="0" marR="0" lvl="0" indent="0" algn="l" defTabSz="914400" rtl="0" eaLnBrk="1" fontAlgn="auto" latinLnBrk="0" hangingPunct="1">
-              <a:lnSpc>
-                <a:spcPct val="100000"/>
-              </a:lnSpc>
-              <a:spcBef>
-                <a:spcPts val="0"/>
-              </a:spcBef>
-              <a:spcAft>
-                <a:spcPts val="0"/>
-              </a:spcAft>
-              <a:buClr>
-                <a:srgbClr val="000000"/>
-              </a:buClr>
-              <a:buSzPts val="1400"/>
-              <a:buFont typeface="Arial"/>
-              <a:buNone/>
-              <a:tabLst/>
-              <a:defRPr/>
-            </a:pPr>
-            <a:r>
-              <a:rPr lang="it-IT" sz="1100" dirty="0">
-                <a:solidFill>
-                  <a:schemeClr val="bg1"/>
-                </a:solidFill>
-                <a:latin typeface="Quicksand"/>
-                <a:ea typeface="Quicksand"/>
-                <a:cs typeface="Quicksand"/>
-                <a:sym typeface="Quicksand"/>
-              </a:rPr>
-              <a:t>Limited </a:t>
-            </a:r>
-            <a:r>
-              <a:rPr lang="it-IT" sz="1100" dirty="0" err="1">
-                <a:solidFill>
-                  <a:schemeClr val="bg1"/>
-                </a:solidFill>
-                <a:latin typeface="Quicksand"/>
-                <a:ea typeface="Quicksand"/>
-                <a:cs typeface="Quicksand"/>
-                <a:sym typeface="Quicksand"/>
-              </a:rPr>
-              <a:t>capacity</a:t>
-            </a:r>
-            <a:r>
-              <a:rPr lang="it-IT" sz="1100" dirty="0">
-                <a:solidFill>
-                  <a:schemeClr val="bg1"/>
-                </a:solidFill>
-                <a:latin typeface="Quicksand"/>
-                <a:ea typeface="Quicksand"/>
-                <a:cs typeface="Quicksand"/>
-                <a:sym typeface="Quicksand"/>
-              </a:rPr>
-              <a:t> congestion points are </a:t>
-            </a:r>
-            <a:r>
-              <a:rPr lang="it-IT" sz="1100" dirty="0" err="1">
-                <a:solidFill>
-                  <a:schemeClr val="bg1"/>
-                </a:solidFill>
-                <a:latin typeface="Quicksand"/>
-                <a:ea typeface="Quicksand"/>
-                <a:cs typeface="Quicksand"/>
-                <a:sym typeface="Quicksand"/>
-              </a:rPr>
-              <a:t>modeled</a:t>
-            </a:r>
-            <a:r>
-              <a:rPr lang="it-IT" sz="1100" dirty="0">
-                <a:solidFill>
-                  <a:schemeClr val="bg1"/>
-                </a:solidFill>
-                <a:latin typeface="Quicksand"/>
-                <a:ea typeface="Quicksand"/>
-                <a:cs typeface="Quicksand"/>
-                <a:sym typeface="Quicksand"/>
-              </a:rPr>
-              <a:t> by </a:t>
-            </a:r>
-            <a:r>
-              <a:rPr lang="it-IT" sz="1100" dirty="0" err="1">
-                <a:solidFill>
-                  <a:schemeClr val="bg1"/>
-                </a:solidFill>
-                <a:latin typeface="Quicksand"/>
-                <a:ea typeface="Quicksand"/>
-                <a:cs typeface="Quicksand"/>
-                <a:sym typeface="Quicksand"/>
-              </a:rPr>
-              <a:t>shared</a:t>
-            </a:r>
-            <a:r>
-              <a:rPr lang="it-IT" sz="1100" dirty="0">
-                <a:solidFill>
-                  <a:schemeClr val="bg1"/>
-                </a:solidFill>
-                <a:latin typeface="Quicksand"/>
-                <a:ea typeface="Quicksand"/>
-                <a:cs typeface="Quicksand"/>
-                <a:sym typeface="Quicksand"/>
-              </a:rPr>
-              <a:t> </a:t>
-            </a:r>
-            <a:r>
-              <a:rPr lang="it-IT" sz="1100" dirty="0" err="1">
-                <a:solidFill>
-                  <a:schemeClr val="bg1"/>
-                </a:solidFill>
-                <a:latin typeface="Quicksand"/>
-                <a:ea typeface="Quicksand"/>
-                <a:cs typeface="Quicksand"/>
-                <a:sym typeface="Quicksand"/>
-              </a:rPr>
-              <a:t>resources</a:t>
-            </a:r>
-            <a:r>
-              <a:rPr lang="it-IT" sz="1100" dirty="0">
-                <a:solidFill>
-                  <a:schemeClr val="bg1"/>
-                </a:solidFill>
-                <a:latin typeface="Quicksand"/>
-                <a:ea typeface="Quicksand"/>
-                <a:cs typeface="Quicksand"/>
-                <a:sym typeface="Quicksand"/>
-              </a:rPr>
-              <a:t> </a:t>
-            </a:r>
-            <a:r>
-              <a:rPr lang="it-IT" sz="1100" dirty="0" err="1">
-                <a:solidFill>
-                  <a:schemeClr val="bg1"/>
-                </a:solidFill>
-                <a:latin typeface="Quicksand"/>
-                <a:ea typeface="Quicksand"/>
-                <a:cs typeface="Quicksand"/>
-                <a:sym typeface="Quicksand"/>
-              </a:rPr>
-              <a:t>provided</a:t>
-            </a:r>
-            <a:endParaRPr lang="it-IT" sz="1100" dirty="0">
-              <a:solidFill>
-                <a:schemeClr val="bg1"/>
-              </a:solidFill>
-              <a:latin typeface="Quicksand"/>
-              <a:ea typeface="Quicksand"/>
-              <a:cs typeface="Quicksand"/>
-              <a:sym typeface="Quicksand"/>
-            </a:endParaRPr>
-          </a:p>
-          <a:p>
-            <a:pPr marL="0" marR="0" lvl="0" indent="0" algn="l" defTabSz="914400" rtl="0" eaLnBrk="1" fontAlgn="auto" latinLnBrk="0" hangingPunct="1">
-              <a:lnSpc>
-                <a:spcPct val="100000"/>
-              </a:lnSpc>
-              <a:spcBef>
-                <a:spcPts val="0"/>
-              </a:spcBef>
-              <a:spcAft>
-                <a:spcPts val="0"/>
-              </a:spcAft>
-              <a:buClr>
-                <a:srgbClr val="000000"/>
-              </a:buClr>
-              <a:buSzPts val="1400"/>
-              <a:buFont typeface="Arial"/>
-              <a:buNone/>
-              <a:tabLst/>
-              <a:defRPr/>
-            </a:pPr>
-            <a:endParaRPr lang="it-IT" sz="1100" dirty="0">
-              <a:solidFill>
-                <a:schemeClr val="bg1"/>
-              </a:solidFill>
-              <a:latin typeface="Quicksand"/>
-              <a:ea typeface="Quicksand"/>
-              <a:cs typeface="Quicksand"/>
-              <a:sym typeface="Quicksand"/>
-            </a:endParaRPr>
-          </a:p>
-          <a:p>
-            <a:pPr marL="0" marR="0" lvl="0" indent="0" algn="l" defTabSz="914400" rtl="0" eaLnBrk="1" fontAlgn="auto" latinLnBrk="0" hangingPunct="1">
-              <a:lnSpc>
-                <a:spcPct val="100000"/>
-              </a:lnSpc>
-              <a:spcBef>
-                <a:spcPts val="0"/>
-              </a:spcBef>
-              <a:spcAft>
-                <a:spcPts val="0"/>
-              </a:spcAft>
-              <a:buClr>
-                <a:srgbClr val="000000"/>
-              </a:buClr>
-              <a:buSzPts val="1400"/>
-              <a:buFont typeface="Arial"/>
-              <a:buNone/>
-              <a:tabLst/>
-              <a:defRPr/>
-            </a:pPr>
-            <a:r>
-              <a:rPr lang="en-GB" sz="1100" dirty="0">
-                <a:solidFill>
-                  <a:schemeClr val="bg1"/>
-                </a:solidFill>
-                <a:latin typeface="Quicksand" panose="020B0604020202020204" charset="0"/>
-                <a:ea typeface="Quicksand"/>
-                <a:cs typeface="Quicksand"/>
-                <a:sym typeface="Quicksand"/>
-              </a:rPr>
-              <a:t>(timeouts, process are events, asynchronous interrupts, condition events wait &amp;, |)</a:t>
-            </a:r>
-          </a:p>
-          <a:p>
-            <a:pPr marL="0" marR="0" lvl="0" indent="0" algn="l" defTabSz="914400" rtl="0" eaLnBrk="1" fontAlgn="auto" latinLnBrk="0" hangingPunct="1">
-              <a:lnSpc>
-                <a:spcPct val="100000"/>
-              </a:lnSpc>
-              <a:spcBef>
-                <a:spcPts val="0"/>
-              </a:spcBef>
-              <a:spcAft>
-                <a:spcPts val="0"/>
-              </a:spcAft>
-              <a:buClr>
-                <a:srgbClr val="000000"/>
-              </a:buClr>
-              <a:buSzPts val="1400"/>
-              <a:buFont typeface="Arial"/>
-              <a:buNone/>
-              <a:tabLst/>
-              <a:defRPr/>
-            </a:pPr>
-            <a:endParaRPr lang="en-GB" sz="1100" dirty="0">
-              <a:solidFill>
-                <a:schemeClr val="bg1"/>
-              </a:solidFill>
-              <a:latin typeface="Quicksand" panose="020B0604020202020204" charset="0"/>
-              <a:sym typeface="Quicksand"/>
-            </a:endParaRPr>
-          </a:p>
-          <a:p>
-            <a:pPr marL="0" marR="0" lvl="0" indent="0" algn="l" defTabSz="914400" rtl="0" eaLnBrk="1" fontAlgn="auto" latinLnBrk="0" hangingPunct="1">
-              <a:lnSpc>
-                <a:spcPct val="100000"/>
-              </a:lnSpc>
-              <a:spcBef>
-                <a:spcPts val="0"/>
-              </a:spcBef>
-              <a:spcAft>
-                <a:spcPts val="0"/>
-              </a:spcAft>
-              <a:buClr>
-                <a:srgbClr val="000000"/>
-              </a:buClr>
-              <a:buSzPts val="1400"/>
-              <a:buFont typeface="Arial"/>
-              <a:buNone/>
-              <a:tabLst/>
-              <a:defRPr/>
-            </a:pPr>
-            <a:r>
-              <a:rPr lang="en-GB" sz="1100" dirty="0">
-                <a:solidFill>
-                  <a:schemeClr val="bg1"/>
-                </a:solidFill>
-                <a:latin typeface="Quicksand" panose="020B0604020202020204" charset="0"/>
-                <a:sym typeface="Quicksand"/>
-              </a:rPr>
-              <a:t>Resources are like semaphores</a:t>
-            </a:r>
-            <a:endParaRPr dirty="0"/>
+            <a:endParaRPr/>
           </a:p>
         </p:txBody>
       </p:sp>
     </p:spTree>
     <p:extLst>
       <p:ext uri="{BB962C8B-B14F-4D97-AF65-F5344CB8AC3E}">
-        <p14:creationId xmlns:p14="http://schemas.microsoft.com/office/powerpoint/2010/main" val="2681603779"/>
+        <p14:creationId xmlns:p14="http://schemas.microsoft.com/office/powerpoint/2010/main" val="3685444893"/>
       </p:ext>
     </p:extLst>
   </p:cSld>
@@ -10914,115 +10483,6 @@
   <p:cSld>
     <p:spTree>
       <p:nvGrpSpPr>
-        <p:cNvPr id="1" name="Shape 339"/>
-        <p:cNvGrpSpPr/>
-        <p:nvPr/>
-      </p:nvGrpSpPr>
-      <p:grpSpPr>
-        <a:xfrm>
-          <a:off x="0" y="0"/>
-          <a:ext cx="0" cy="0"/>
-          <a:chOff x="0" y="0"/>
-          <a:chExt cx="0" cy="0"/>
-        </a:xfrm>
-      </p:grpSpPr>
-      <p:sp>
-        <p:nvSpPr>
-          <p:cNvPr id="340" name="Google Shape;340;g35ed75ccf_0134:notes"/>
-          <p:cNvSpPr>
-            <a:spLocks noGrp="1" noRot="1" noChangeAspect="1"/>
-          </p:cNvSpPr>
-          <p:nvPr>
-            <p:ph type="sldImg" idx="2"/>
-          </p:nvPr>
-        </p:nvSpPr>
-        <p:spPr>
-          <a:xfrm>
-            <a:off x="381000" y="685800"/>
-            <a:ext cx="6096000" cy="3429000"/>
-          </a:xfrm>
-          <a:custGeom>
-            <a:avLst/>
-            <a:gdLst/>
-            <a:ahLst/>
-            <a:cxnLst/>
-            <a:rect l="l" t="t" r="r" b="b"/>
-            <a:pathLst>
-              <a:path w="120000" h="120000" extrusionOk="0">
-                <a:moveTo>
-                  <a:pt x="0" y="0"/>
-                </a:moveTo>
-                <a:lnTo>
-                  <a:pt x="120000" y="0"/>
-                </a:lnTo>
-                <a:lnTo>
-                  <a:pt x="120000" y="120000"/>
-                </a:lnTo>
-                <a:lnTo>
-                  <a:pt x="0" y="120000"/>
-                </a:lnTo>
-                <a:close/>
-              </a:path>
-            </a:pathLst>
-          </a:custGeom>
-        </p:spPr>
-      </p:sp>
-      <p:sp>
-        <p:nvSpPr>
-          <p:cNvPr id="341" name="Google Shape;341;g35ed75ccf_0134:notes"/>
-          <p:cNvSpPr txBox="1">
-            <a:spLocks noGrp="1"/>
-          </p:cNvSpPr>
-          <p:nvPr>
-            <p:ph type="body" idx="1"/>
-          </p:nvPr>
-        </p:nvSpPr>
-        <p:spPr>
-          <a:xfrm>
-            <a:off x="685800" y="4343400"/>
-            <a:ext cx="5486400" cy="4114800"/>
-          </a:xfrm>
-          <a:prstGeom prst="rect">
-            <a:avLst/>
-          </a:prstGeom>
-        </p:spPr>
-        <p:txBody>
-          <a:bodyPr spcFirstLastPara="1" wrap="square" lIns="91425" tIns="91425" rIns="91425" bIns="91425" anchor="t" anchorCtr="0">
-            <a:noAutofit/>
-          </a:bodyPr>
-          <a:lstStyle/>
-          <a:p>
-            <a:pPr marL="0" lvl="0" indent="0" algn="l" rtl="0">
-              <a:spcBef>
-                <a:spcPts val="0"/>
-              </a:spcBef>
-              <a:spcAft>
-                <a:spcPts val="0"/>
-              </a:spcAft>
-              <a:buNone/>
-            </a:pPr>
-            <a:endParaRPr/>
-          </a:p>
-        </p:txBody>
-      </p:sp>
-    </p:spTree>
-    <p:extLst>
-      <p:ext uri="{BB962C8B-B14F-4D97-AF65-F5344CB8AC3E}">
-        <p14:creationId xmlns:p14="http://schemas.microsoft.com/office/powerpoint/2010/main" val="3685444893"/>
-      </p:ext>
-    </p:extLst>
-  </p:cSld>
-  <p:clrMapOvr>
-    <a:masterClrMapping/>
-  </p:clrMapOvr>
-</p:notes>
-</file>
-
-<file path=ppt/notesSlides/notesSlide31.xml><?xml version="1.0" encoding="utf-8"?>
-<p:notes xmlns:a="http://schemas.openxmlformats.org/drawingml/2006/main" xmlns:r="http://schemas.openxmlformats.org/officeDocument/2006/relationships" xmlns:p="http://schemas.openxmlformats.org/presentationml/2006/main" showMasterSp="0" showMasterPhAnim="0">
-  <p:cSld>
-    <p:spTree>
-      <p:nvGrpSpPr>
         <p:cNvPr id="1" name="Shape 72"/>
         <p:cNvGrpSpPr/>
         <p:nvPr/>
@@ -11499,7 +10959,7 @@
 </p:notes>
 </file>
 
-<file path=ppt/notesSlides/notesSlide32.xml><?xml version="1.0" encoding="utf-8"?>
+<file path=ppt/notesSlides/notesSlide31.xml><?xml version="1.0" encoding="utf-8"?>
 <p:notes xmlns:a="http://schemas.openxmlformats.org/drawingml/2006/main" xmlns:r="http://schemas.openxmlformats.org/officeDocument/2006/relationships" xmlns:p="http://schemas.openxmlformats.org/presentationml/2006/main" showMasterSp="0" showMasterPhAnim="0">
   <p:cSld>
     <p:spTree>
@@ -19116,26 +18576,6 @@
               <a:t> = </a:t>
             </a:r>
             <a:r>
-              <a:rPr lang="en-US" b="0" dirty="0">
-                <a:solidFill>
-                  <a:srgbClr val="C586C0"/>
-                </a:solidFill>
-                <a:effectLst/>
-                <a:latin typeface="Consolas" panose="020B0609020204030204" pitchFamily="49" charset="0"/>
-              </a:rPr>
-              <a:t>yield</a:t>
-            </a:r>
-            <a:r>
-              <a:rPr lang="en-US" b="0" dirty="0">
-                <a:solidFill>
-                  <a:srgbClr val="D4D4D4"/>
-                </a:solidFill>
-                <a:effectLst/>
-                <a:latin typeface="Consolas" panose="020B0609020204030204" pitchFamily="49" charset="0"/>
-              </a:rPr>
-              <a:t> </a:t>
-            </a:r>
-            <a:r>
               <a:rPr lang="en-US" b="0" dirty="0" err="1">
                 <a:solidFill>
                   <a:srgbClr val="9CDCFE"/>
@@ -20305,26 +19745,6 @@
                 <a:latin typeface="Consolas" panose="020B0609020204030204" pitchFamily="49" charset="0"/>
               </a:rPr>
               <a:t> = </a:t>
-            </a:r>
-            <a:r>
-              <a:rPr lang="en-US" b="0" dirty="0">
-                <a:solidFill>
-                  <a:srgbClr val="C586C0"/>
-                </a:solidFill>
-                <a:effectLst/>
-                <a:latin typeface="Consolas" panose="020B0609020204030204" pitchFamily="49" charset="0"/>
-              </a:rPr>
-              <a:t>yield</a:t>
-            </a:r>
-            <a:r>
-              <a:rPr lang="en-US" b="0" dirty="0">
-                <a:solidFill>
-                  <a:srgbClr val="D4D4D4"/>
-                </a:solidFill>
-                <a:effectLst/>
-                <a:latin typeface="Consolas" panose="020B0609020204030204" pitchFamily="49" charset="0"/>
-              </a:rPr>
-              <a:t> </a:t>
             </a:r>
             <a:r>
               <a:rPr lang="en-US" b="0" dirty="0" err="1">
@@ -28516,7 +27936,7 @@
                 <a:effectLst/>
                 <a:latin typeface="Consolas" panose="020B0609020204030204" pitchFamily="49" charset="0"/>
               </a:rPr>
-              <a:t>.Resource</a:t>
+              <a:t>.PriorityResource</a:t>
             </a:r>
             <a:r>
               <a:rPr lang="en-US" b="0" dirty="0">
@@ -29827,88 +29247,6 @@
       </p:sp>
       <p:sp>
         <p:nvSpPr>
-          <p:cNvPr id="10" name="Google Shape;78;p13">
-            <a:extLst>
-              <a:ext uri="{FF2B5EF4-FFF2-40B4-BE49-F238E27FC236}">
-                <a16:creationId xmlns:a16="http://schemas.microsoft.com/office/drawing/2014/main" id="{E89317BA-7748-8D8C-E307-F544A7923272}"/>
-              </a:ext>
-            </a:extLst>
-          </p:cNvPr>
-          <p:cNvSpPr txBox="1"/>
-          <p:nvPr/>
-        </p:nvSpPr>
-        <p:spPr>
-          <a:xfrm>
-            <a:off x="1034298" y="3912084"/>
-            <a:ext cx="7951332" cy="729614"/>
-          </a:xfrm>
-          <a:prstGeom prst="rect">
-            <a:avLst/>
-          </a:prstGeom>
-          <a:noFill/>
-          <a:ln>
-            <a:noFill/>
-          </a:ln>
-        </p:spPr>
-        <p:txBody>
-          <a:bodyPr spcFirstLastPara="1" wrap="square" lIns="91425" tIns="91425" rIns="91425" bIns="91425" anchor="t" anchorCtr="0">
-            <a:noAutofit/>
-          </a:bodyPr>
-          <a:lstStyle/>
-          <a:p>
-            <a:pPr marL="76200" lvl="0" algn="l" rtl="0">
-              <a:spcBef>
-                <a:spcPts val="600"/>
-              </a:spcBef>
-              <a:spcAft>
-                <a:spcPts val="0"/>
-              </a:spcAft>
-              <a:buClr>
-                <a:schemeClr val="accent1"/>
-              </a:buClr>
-              <a:buSzPts val="2400"/>
-            </a:pPr>
-            <a:r>
-              <a:rPr lang="en-GB" dirty="0">
-                <a:solidFill>
-                  <a:schemeClr val="bg1"/>
-                </a:solidFill>
-                <a:latin typeface="Quicksand" panose="020B0604020202020204" charset="0"/>
-                <a:ea typeface="Quicksand"/>
-                <a:cs typeface="Quicksand"/>
-                <a:sym typeface="Quicksand"/>
-              </a:rPr>
-              <a:t>Exiting ships will again need to acquire a tug for the undocking procedure, to free as fast as possible the dock they will get priority above all entering ships.</a:t>
-            </a:r>
-          </a:p>
-          <a:p>
-            <a:pPr marL="457200" lvl="0" indent="-381000" algn="l" rtl="0">
-              <a:spcBef>
-                <a:spcPts val="600"/>
-              </a:spcBef>
-              <a:spcAft>
-                <a:spcPts val="0"/>
-              </a:spcAft>
-              <a:buClr>
-                <a:schemeClr val="accent1"/>
-              </a:buClr>
-              <a:buSzPts val="2400"/>
-              <a:buChar char="◦"/>
-            </a:pPr>
-            <a:endParaRPr lang="it-IT" sz="1200" dirty="0">
-              <a:solidFill>
-                <a:schemeClr val="accent1"/>
-              </a:solidFill>
-              <a:latin typeface="Quicksand"/>
-              <a:ea typeface="Quicksand"/>
-              <a:cs typeface="Quicksand"/>
-              <a:sym typeface="Quicksand"/>
-            </a:endParaRPr>
-          </a:p>
-        </p:txBody>
-      </p:sp>
-      <p:sp>
-        <p:nvSpPr>
           <p:cNvPr id="2" name="TextBox 1">
             <a:extLst>
               <a:ext uri="{FF2B5EF4-FFF2-40B4-BE49-F238E27FC236}">
@@ -30292,64 +29630,6 @@
           </a:p>
         </p:txBody>
       </p:sp>
-      <p:sp>
-        <p:nvSpPr>
-          <p:cNvPr id="13" name="Oval 12">
-            <a:extLst>
-              <a:ext uri="{FF2B5EF4-FFF2-40B4-BE49-F238E27FC236}">
-                <a16:creationId xmlns:a16="http://schemas.microsoft.com/office/drawing/2014/main" id="{05091E8C-3493-7EFD-30F3-97B014768FD2}"/>
-              </a:ext>
-            </a:extLst>
-          </p:cNvPr>
-          <p:cNvSpPr/>
-          <p:nvPr/>
-        </p:nvSpPr>
-        <p:spPr>
-          <a:xfrm>
-            <a:off x="841145" y="4089961"/>
-            <a:ext cx="213852" cy="215320"/>
-          </a:xfrm>
-          <a:prstGeom prst="ellipse">
-            <a:avLst/>
-          </a:prstGeom>
-          <a:solidFill>
-            <a:schemeClr val="tx1"/>
-          </a:solidFill>
-          <a:ln w="3175">
-            <a:solidFill>
-              <a:schemeClr val="accent5"/>
-            </a:solidFill>
-          </a:ln>
-        </p:spPr>
-        <p:style>
-          <a:lnRef idx="2">
-            <a:schemeClr val="accent1">
-              <a:shade val="50000"/>
-            </a:schemeClr>
-          </a:lnRef>
-          <a:fillRef idx="1">
-            <a:schemeClr val="accent1"/>
-          </a:fillRef>
-          <a:effectRef idx="0">
-            <a:schemeClr val="accent1"/>
-          </a:effectRef>
-          <a:fontRef idx="minor">
-            <a:schemeClr val="lt1"/>
-          </a:fontRef>
-        </p:style>
-        <p:txBody>
-          <a:bodyPr rtlCol="0" anchor="ctr"/>
-          <a:lstStyle/>
-          <a:p>
-            <a:pPr algn="ctr"/>
-            <a:endParaRPr lang="en-US">
-              <a:solidFill>
-                <a:schemeClr val="tx1"/>
-              </a:solidFill>
-            </a:endParaRPr>
-          </a:p>
-        </p:txBody>
-      </p:sp>
     </p:spTree>
     <p:extLst>
       <p:ext uri="{BB962C8B-B14F-4D97-AF65-F5344CB8AC3E}">
@@ -30745,7 +30025,7 @@
         <p:spPr>
           <a:xfrm>
             <a:off x="1165475" y="1356735"/>
-            <a:ext cx="7823667" cy="523220"/>
+            <a:ext cx="7823667" cy="307777"/>
           </a:xfrm>
           <a:prstGeom prst="rect">
             <a:avLst/>
@@ -30765,59 +30045,8 @@
                 </a:solidFill>
                 <a:latin typeface="Quicksand" panose="020B0604020202020204" charset="0"/>
               </a:rPr>
-              <a:t>The main components of our system will be either implemented as iterators (</a:t>
-            </a:r>
-            <a:r>
-              <a:rPr lang="en-US" i="1" dirty="0">
-                <a:solidFill>
-                  <a:schemeClr val="bg1"/>
-                </a:solidFill>
-                <a:latin typeface="Quicksand" panose="020B0604020202020204" charset="0"/>
-              </a:rPr>
-              <a:t>Ship</a:t>
-            </a:r>
-            <a:r>
-              <a:rPr lang="en-US" dirty="0">
-                <a:solidFill>
-                  <a:schemeClr val="bg1"/>
-                </a:solidFill>
-                <a:latin typeface="Quicksand" panose="020B0604020202020204" charset="0"/>
-              </a:rPr>
-              <a:t>) or Python objects (</a:t>
-            </a:r>
-            <a:r>
-              <a:rPr lang="en-US" i="1" dirty="0">
-                <a:solidFill>
-                  <a:schemeClr val="bg1"/>
-                </a:solidFill>
-                <a:latin typeface="Quicksand" panose="020B0604020202020204" charset="0"/>
-              </a:rPr>
-              <a:t>Tug</a:t>
-            </a:r>
-            <a:r>
-              <a:rPr lang="en-US" dirty="0">
-                <a:solidFill>
-                  <a:schemeClr val="bg1"/>
-                </a:solidFill>
-                <a:latin typeface="Quicksand" panose="020B0604020202020204" charset="0"/>
-              </a:rPr>
-              <a:t>, </a:t>
-            </a:r>
-            <a:r>
-              <a:rPr lang="en-US" i="1" dirty="0">
-                <a:solidFill>
-                  <a:schemeClr val="bg1"/>
-                </a:solidFill>
-                <a:latin typeface="Quicksand" panose="020B0604020202020204" charset="0"/>
-              </a:rPr>
-              <a:t>Fuel Barge)</a:t>
-            </a:r>
-            <a:endParaRPr lang="en-US" dirty="0">
-              <a:solidFill>
-                <a:schemeClr val="bg1"/>
-              </a:solidFill>
-              <a:latin typeface="Quicksand" panose="020B0604020202020204" charset="0"/>
-            </a:endParaRPr>
+              <a:t>The main components of our system will be either implemented as Python objects.</a:t>
+            </a:r>
           </a:p>
         </p:txBody>
       </p:sp>
@@ -30865,25 +30094,7 @@
                 </a:solidFill>
                 <a:latin typeface="Quicksand" panose="020B0604020202020204" charset="0"/>
               </a:rPr>
-              <a:t>Store </a:t>
-            </a:r>
-            <a:r>
-              <a:rPr lang="en-US" dirty="0">
-                <a:solidFill>
-                  <a:schemeClr val="bg1"/>
-                </a:solidFill>
-                <a:latin typeface="Quicksand" panose="020B0604020202020204" charset="0"/>
-              </a:rPr>
-              <a:t>or </a:t>
-            </a:r>
-            <a:r>
-              <a:rPr lang="en-US" i="1" dirty="0" err="1">
-                <a:solidFill>
-                  <a:schemeClr val="bg1"/>
-                </a:solidFill>
-                <a:latin typeface="Quicksand" panose="020B0604020202020204" charset="0"/>
-              </a:rPr>
-              <a:t>FilterStore</a:t>
+              <a:t>Store</a:t>
             </a:r>
             <a:r>
               <a:rPr lang="en-US" dirty="0">
@@ -31980,74 +31191,6 @@
 </file>
 
 <file path=ppt/slides/slide20.xml><?xml version="1.0" encoding="utf-8"?>
-<p:sld xmlns:a="http://schemas.openxmlformats.org/drawingml/2006/main" xmlns:r="http://schemas.openxmlformats.org/officeDocument/2006/relationships" xmlns:p="http://schemas.openxmlformats.org/presentationml/2006/main" showMasterSp="0">
-  <p:cSld>
-    <p:bg>
-      <p:bgPr>
-        <a:solidFill>
-          <a:srgbClr val="2E3037"/>
-        </a:solidFill>
-        <a:effectLst/>
-      </p:bgPr>
-    </p:bg>
-    <p:spTree>
-      <p:nvGrpSpPr>
-        <p:cNvPr id="1" name="Shape 75"/>
-        <p:cNvGrpSpPr/>
-        <p:nvPr/>
-      </p:nvGrpSpPr>
-      <p:grpSpPr>
-        <a:xfrm>
-          <a:off x="0" y="0"/>
-          <a:ext cx="0" cy="0"/>
-          <a:chOff x="0" y="0"/>
-          <a:chExt cx="0" cy="0"/>
-        </a:xfrm>
-      </p:grpSpPr>
-      <p:pic>
-        <p:nvPicPr>
-          <p:cNvPr id="36" name="Picture 35" descr="Graphical user interface&#10;&#10;Description automatically generated">
-            <a:extLst>
-              <a:ext uri="{FF2B5EF4-FFF2-40B4-BE49-F238E27FC236}">
-                <a16:creationId xmlns:a16="http://schemas.microsoft.com/office/drawing/2014/main" id="{DECFE973-459A-AB32-A897-D3AA77D60399}"/>
-              </a:ext>
-            </a:extLst>
-          </p:cNvPr>
-          <p:cNvPicPr>
-            <a:picLocks noChangeAspect="1"/>
-          </p:cNvPicPr>
-          <p:nvPr/>
-        </p:nvPicPr>
-        <p:blipFill>
-          <a:blip r:embed="rId3"/>
-          <a:stretch>
-            <a:fillRect/>
-          </a:stretch>
-        </p:blipFill>
-        <p:spPr>
-          <a:xfrm>
-            <a:off x="0" y="1"/>
-            <a:ext cx="9140023" cy="4948084"/>
-          </a:xfrm>
-          <a:prstGeom prst="rect">
-            <a:avLst/>
-          </a:prstGeom>
-        </p:spPr>
-      </p:pic>
-    </p:spTree>
-    <p:extLst>
-      <p:ext uri="{BB962C8B-B14F-4D97-AF65-F5344CB8AC3E}">
-        <p14:creationId xmlns:p14="http://schemas.microsoft.com/office/powerpoint/2010/main" val="5279293"/>
-      </p:ext>
-    </p:extLst>
-  </p:cSld>
-  <p:clrMapOvr>
-    <a:masterClrMapping/>
-  </p:clrMapOvr>
-</p:sld>
-</file>
-
-<file path=ppt/slides/slide21.xml><?xml version="1.0" encoding="utf-8"?>
 <p:sld xmlns:a="http://schemas.openxmlformats.org/drawingml/2006/main" xmlns:r="http://schemas.openxmlformats.org/officeDocument/2006/relationships" xmlns:p="http://schemas.openxmlformats.org/presentationml/2006/main">
   <p:cSld>
     <p:spTree>
@@ -32142,7 +31285,7 @@
             </a:pPr>
             <a:fld id="{00000000-1234-1234-1234-123412341234}" type="slidenum">
               <a:rPr lang="en"/>
-              <a:t>21</a:t>
+              <a:t>20</a:t>
             </a:fld>
             <a:endParaRPr/>
           </a:p>
@@ -34701,7 +33844,7 @@
         <p:spPr>
           <a:xfrm>
             <a:off x="1072983" y="861853"/>
-            <a:ext cx="7709681" cy="1393540"/>
+            <a:ext cx="7709681" cy="1054033"/>
           </a:xfrm>
           <a:prstGeom prst="rect">
             <a:avLst/>
@@ -34740,7 +33883,7 @@
                 <a:cs typeface="Quicksand"/>
                 <a:sym typeface="Quicksand"/>
               </a:rPr>
-              <a:t>A ship arrives on average every 20 minutes (exponential distribution </a:t>
+              <a:t>A ship arrives on average every 12 minutes (exponential distribution </a:t>
             </a:r>
             <a:r>
               <a:rPr lang="el-GR" sz="1200" dirty="0">
@@ -35205,198 +34348,6 @@
               <a:t> </a:t>
             </a:r>
             <a:endParaRPr lang="it-IT" sz="1200" dirty="0">
-              <a:solidFill>
-                <a:schemeClr val="bg1"/>
-              </a:solidFill>
-              <a:latin typeface="Quicksand" panose="020B0604020202020204" charset="0"/>
-              <a:ea typeface="Quicksand"/>
-              <a:cs typeface="Quicksand"/>
-              <a:sym typeface="Quicksand"/>
-            </a:endParaRPr>
-          </a:p>
-          <a:p>
-            <a:pPr marL="457200" lvl="0" indent="-381000" algn="l" rtl="0">
-              <a:spcBef>
-                <a:spcPts val="600"/>
-              </a:spcBef>
-              <a:spcAft>
-                <a:spcPts val="0"/>
-              </a:spcAft>
-              <a:buClr>
-                <a:schemeClr val="accent1"/>
-              </a:buClr>
-              <a:buSzPts val="2400"/>
-              <a:buChar char="◦"/>
-            </a:pPr>
-            <a:r>
-              <a:rPr lang="it-IT" sz="1200" dirty="0" err="1">
-                <a:solidFill>
-                  <a:schemeClr val="bg1"/>
-                </a:solidFill>
-                <a:latin typeface="Quicksand" panose="020B0604020202020204" charset="0"/>
-                <a:ea typeface="Quicksand"/>
-                <a:cs typeface="Quicksand"/>
-                <a:sym typeface="Quicksand"/>
-              </a:rPr>
-              <a:t>Also</a:t>
-            </a:r>
-            <a:r>
-              <a:rPr lang="it-IT" sz="1200" dirty="0">
-                <a:solidFill>
-                  <a:schemeClr val="bg1"/>
-                </a:solidFill>
-                <a:latin typeface="Quicksand" panose="020B0604020202020204" charset="0"/>
-                <a:ea typeface="Quicksand"/>
-                <a:cs typeface="Quicksand"/>
-                <a:sym typeface="Quicksand"/>
-              </a:rPr>
-              <a:t>, a simulation with </a:t>
-            </a:r>
-            <a:r>
-              <a:rPr lang="it-IT" sz="1200" dirty="0" err="1">
-                <a:solidFill>
-                  <a:schemeClr val="bg1"/>
-                </a:solidFill>
-                <a:latin typeface="Quicksand" panose="020B0604020202020204" charset="0"/>
-                <a:ea typeface="Quicksand"/>
-                <a:cs typeface="Quicksand"/>
-                <a:sym typeface="Quicksand"/>
-              </a:rPr>
-              <a:t>tug</a:t>
-            </a:r>
-            <a:r>
-              <a:rPr lang="it-IT" sz="1200" dirty="0">
-                <a:solidFill>
-                  <a:schemeClr val="bg1"/>
-                </a:solidFill>
-                <a:latin typeface="Quicksand" panose="020B0604020202020204" charset="0"/>
-                <a:ea typeface="Quicksand"/>
-                <a:cs typeface="Quicksand"/>
-                <a:sym typeface="Quicksand"/>
-              </a:rPr>
-              <a:t> </a:t>
-            </a:r>
-            <a:r>
-              <a:rPr lang="it-IT" sz="1200" dirty="0" err="1">
-                <a:solidFill>
-                  <a:schemeClr val="bg1"/>
-                </a:solidFill>
-                <a:latin typeface="Quicksand" panose="020B0604020202020204" charset="0"/>
-                <a:ea typeface="Quicksand"/>
-                <a:cs typeface="Quicksand"/>
-                <a:sym typeface="Quicksand"/>
-              </a:rPr>
-              <a:t>maintenance</a:t>
-            </a:r>
-            <a:r>
-              <a:rPr lang="it-IT" sz="1200" dirty="0">
-                <a:solidFill>
-                  <a:schemeClr val="bg1"/>
-                </a:solidFill>
-                <a:latin typeface="Quicksand" panose="020B0604020202020204" charset="0"/>
-                <a:ea typeface="Quicksand"/>
-                <a:cs typeface="Quicksand"/>
-                <a:sym typeface="Quicksand"/>
-              </a:rPr>
-              <a:t> </a:t>
-            </a:r>
-            <a:r>
-              <a:rPr lang="it-IT" sz="1200" dirty="0" err="1">
-                <a:solidFill>
-                  <a:schemeClr val="bg1"/>
-                </a:solidFill>
-                <a:latin typeface="Quicksand" panose="020B0604020202020204" charset="0"/>
-                <a:ea typeface="Quicksand"/>
-                <a:cs typeface="Quicksand"/>
-                <a:sym typeface="Quicksand"/>
-              </a:rPr>
-              <a:t>periodically</a:t>
-            </a:r>
-            <a:r>
-              <a:rPr lang="it-IT" sz="1200" dirty="0">
-                <a:solidFill>
-                  <a:schemeClr val="bg1"/>
-                </a:solidFill>
-                <a:latin typeface="Quicksand" panose="020B0604020202020204" charset="0"/>
-                <a:ea typeface="Quicksand"/>
-                <a:cs typeface="Quicksand"/>
-                <a:sym typeface="Quicksand"/>
-              </a:rPr>
-              <a:t> </a:t>
-            </a:r>
-            <a:r>
-              <a:rPr lang="it-IT" sz="1200" dirty="0" err="1">
-                <a:solidFill>
-                  <a:schemeClr val="bg1"/>
-                </a:solidFill>
-                <a:latin typeface="Quicksand" panose="020B0604020202020204" charset="0"/>
-                <a:ea typeface="Quicksand"/>
-                <a:cs typeface="Quicksand"/>
-                <a:sym typeface="Quicksand"/>
-              </a:rPr>
-              <a:t>performed</a:t>
-            </a:r>
-            <a:r>
-              <a:rPr lang="it-IT" sz="1200" dirty="0">
-                <a:solidFill>
-                  <a:schemeClr val="bg1"/>
-                </a:solidFill>
-                <a:latin typeface="Quicksand" panose="020B0604020202020204" charset="0"/>
-                <a:ea typeface="Quicksand"/>
-                <a:cs typeface="Quicksand"/>
-                <a:sym typeface="Quicksand"/>
-              </a:rPr>
-              <a:t> </a:t>
-            </a:r>
-            <a:r>
-              <a:rPr lang="it-IT" sz="1200" dirty="0" err="1">
-                <a:solidFill>
-                  <a:schemeClr val="bg1"/>
-                </a:solidFill>
-                <a:latin typeface="Quicksand" panose="020B0604020202020204" charset="0"/>
-                <a:ea typeface="Quicksand"/>
-                <a:cs typeface="Quicksand"/>
-                <a:sym typeface="Quicksand"/>
-              </a:rPr>
-              <a:t>will</a:t>
-            </a:r>
-            <a:r>
-              <a:rPr lang="it-IT" sz="1200" dirty="0">
-                <a:solidFill>
-                  <a:schemeClr val="bg1"/>
-                </a:solidFill>
-                <a:latin typeface="Quicksand" panose="020B0604020202020204" charset="0"/>
-                <a:ea typeface="Quicksand"/>
-                <a:cs typeface="Quicksand"/>
-                <a:sym typeface="Quicksand"/>
-              </a:rPr>
-              <a:t> be </a:t>
-            </a:r>
-            <a:r>
-              <a:rPr lang="it-IT" sz="1200" dirty="0" err="1">
-                <a:solidFill>
-                  <a:schemeClr val="bg1"/>
-                </a:solidFill>
-                <a:latin typeface="Quicksand" panose="020B0604020202020204" charset="0"/>
-                <a:ea typeface="Quicksand"/>
-                <a:cs typeface="Quicksand"/>
-                <a:sym typeface="Quicksand"/>
-              </a:rPr>
-              <a:t>considered</a:t>
-            </a:r>
-            <a:r>
-              <a:rPr lang="it-IT" sz="1200" dirty="0">
-                <a:solidFill>
-                  <a:schemeClr val="bg1"/>
-                </a:solidFill>
-                <a:latin typeface="Quicksand" panose="020B0604020202020204" charset="0"/>
-                <a:ea typeface="Quicksand"/>
-                <a:cs typeface="Quicksand"/>
-                <a:sym typeface="Quicksand"/>
-              </a:rPr>
-              <a:t>.</a:t>
-            </a:r>
-            <a:endParaRPr lang="en-GB" sz="1200" dirty="0">
               <a:solidFill>
                 <a:schemeClr val="bg1"/>
               </a:solidFill>
@@ -35422,7 +34373,7 @@
         </p:nvSpPr>
         <p:spPr>
           <a:xfrm>
-            <a:off x="1487703" y="2297224"/>
+            <a:off x="2179853" y="2374135"/>
             <a:ext cx="671296" cy="276999"/>
           </a:xfrm>
           <a:prstGeom prst="rect">
@@ -35462,7 +34413,7 @@
         </p:nvSpPr>
         <p:spPr>
           <a:xfrm>
-            <a:off x="6438899" y="2297223"/>
+            <a:off x="6692902" y="2374135"/>
             <a:ext cx="1217396" cy="276999"/>
           </a:xfrm>
           <a:prstGeom prst="rect">
@@ -35501,7 +34452,7 @@
 </p:sld>
 </file>
 
-<file path=ppt/slides/slide22.xml><?xml version="1.0" encoding="utf-8"?>
+<file path=ppt/slides/slide21.xml><?xml version="1.0" encoding="utf-8"?>
 <p:sld xmlns:a="http://schemas.openxmlformats.org/drawingml/2006/main" xmlns:r="http://schemas.openxmlformats.org/officeDocument/2006/relationships" xmlns:p="http://schemas.openxmlformats.org/presentationml/2006/main" showMasterSp="0">
   <p:cSld>
     <p:spTree>
@@ -35925,7 +34876,7 @@
 </p:sld>
 </file>
 
-<file path=ppt/slides/slide23.xml><?xml version="1.0" encoding="utf-8"?>
+<file path=ppt/slides/slide22.xml><?xml version="1.0" encoding="utf-8"?>
 <p:sld xmlns:a="http://schemas.openxmlformats.org/drawingml/2006/main" xmlns:r="http://schemas.openxmlformats.org/officeDocument/2006/relationships" xmlns:p="http://schemas.openxmlformats.org/presentationml/2006/main" showMasterSp="0">
   <p:cSld>
     <p:spTree>
@@ -35978,7 +34929,7 @@
             </a:pPr>
             <a:fld id="{00000000-1234-1234-1234-123412341234}" type="slidenum">
               <a:rPr lang="en"/>
-              <a:t>23</a:t>
+              <a:t>22</a:t>
             </a:fld>
             <a:endParaRPr/>
           </a:p>
@@ -36027,7 +34978,7 @@
 </p:sld>
 </file>
 
-<file path=ppt/slides/slide24.xml><?xml version="1.0" encoding="utf-8"?>
+<file path=ppt/slides/slide23.xml><?xml version="1.0" encoding="utf-8"?>
 <p:sld xmlns:a="http://schemas.openxmlformats.org/drawingml/2006/main" xmlns:r="http://schemas.openxmlformats.org/officeDocument/2006/relationships" xmlns:p="http://schemas.openxmlformats.org/presentationml/2006/main" showMasterSp="0">
   <p:cSld>
     <p:spTree>
@@ -36451,7 +35402,7 @@
 </p:sld>
 </file>
 
-<file path=ppt/slides/slide25.xml><?xml version="1.0" encoding="utf-8"?>
+<file path=ppt/slides/slide24.xml><?xml version="1.0" encoding="utf-8"?>
 <p:sld xmlns:a="http://schemas.openxmlformats.org/drawingml/2006/main" xmlns:r="http://schemas.openxmlformats.org/officeDocument/2006/relationships" xmlns:p="http://schemas.openxmlformats.org/presentationml/2006/main" showMasterSp="0">
   <p:cSld>
     <p:spTree>
@@ -36504,7 +35455,7 @@
             </a:pPr>
             <a:fld id="{00000000-1234-1234-1234-123412341234}" type="slidenum">
               <a:rPr lang="en"/>
-              <a:t>25</a:t>
+              <a:t>24</a:t>
             </a:fld>
             <a:endParaRPr/>
           </a:p>
@@ -36553,7 +35504,7 @@
 </p:sld>
 </file>
 
-<file path=ppt/slides/slide26.xml><?xml version="1.0" encoding="utf-8"?>
+<file path=ppt/slides/slide25.xml><?xml version="1.0" encoding="utf-8"?>
 <p:sld xmlns:a="http://schemas.openxmlformats.org/drawingml/2006/main" xmlns:r="http://schemas.openxmlformats.org/officeDocument/2006/relationships" xmlns:p="http://schemas.openxmlformats.org/presentationml/2006/main" showMasterSp="0">
   <p:cSld>
     <p:spTree>
@@ -36977,7 +35928,7 @@
 </p:sld>
 </file>
 
-<file path=ppt/slides/slide27.xml><?xml version="1.0" encoding="utf-8"?>
+<file path=ppt/slides/slide26.xml><?xml version="1.0" encoding="utf-8"?>
 <p:sld xmlns:a="http://schemas.openxmlformats.org/drawingml/2006/main" xmlns:r="http://schemas.openxmlformats.org/officeDocument/2006/relationships" xmlns:p="http://schemas.openxmlformats.org/presentationml/2006/main" showMasterSp="0">
   <p:cSld>
     <p:spTree>
@@ -37030,7 +35981,7 @@
             </a:pPr>
             <a:fld id="{00000000-1234-1234-1234-123412341234}" type="slidenum">
               <a:rPr lang="en"/>
-              <a:t>27</a:t>
+              <a:t>26</a:t>
             </a:fld>
             <a:endParaRPr/>
           </a:p>
@@ -37079,7 +36030,7 @@
 </p:sld>
 </file>
 
-<file path=ppt/slides/slide28.xml><?xml version="1.0" encoding="utf-8"?>
+<file path=ppt/slides/slide27.xml><?xml version="1.0" encoding="utf-8"?>
 <p:sld xmlns:a="http://schemas.openxmlformats.org/drawingml/2006/main" xmlns:r="http://schemas.openxmlformats.org/officeDocument/2006/relationships" xmlns:p="http://schemas.openxmlformats.org/presentationml/2006/main" showMasterSp="0">
   <p:cSld>
     <p:spTree>
@@ -37543,7 +36494,7 @@
 </p:sld>
 </file>
 
-<file path=ppt/slides/slide29.xml><?xml version="1.0" encoding="utf-8"?>
+<file path=ppt/slides/slide28.xml><?xml version="1.0" encoding="utf-8"?>
 <p:sld xmlns:a="http://schemas.openxmlformats.org/drawingml/2006/main" xmlns:r="http://schemas.openxmlformats.org/officeDocument/2006/relationships" xmlns:p="http://schemas.openxmlformats.org/presentationml/2006/main" showMasterSp="0">
   <p:cSld>
     <p:spTree>
@@ -38007,179 +36958,7 @@
 </p:sld>
 </file>
 
-<file path=ppt/slides/slide3.xml><?xml version="1.0" encoding="utf-8"?>
-<p:sld xmlns:a="http://schemas.openxmlformats.org/drawingml/2006/main" xmlns:r="http://schemas.openxmlformats.org/officeDocument/2006/relationships" xmlns:p="http://schemas.openxmlformats.org/presentationml/2006/main">
-  <p:cSld>
-    <p:spTree>
-      <p:nvGrpSpPr>
-        <p:cNvPr id="1" name="Shape 93"/>
-        <p:cNvGrpSpPr/>
-        <p:nvPr/>
-      </p:nvGrpSpPr>
-      <p:grpSpPr>
-        <a:xfrm>
-          <a:off x="0" y="0"/>
-          <a:ext cx="0" cy="0"/>
-          <a:chOff x="0" y="0"/>
-          <a:chExt cx="0" cy="0"/>
-        </a:xfrm>
-      </p:grpSpPr>
-      <p:sp>
-        <p:nvSpPr>
-          <p:cNvPr id="94" name="Google Shape;94;p15"/>
-          <p:cNvSpPr txBox="1">
-            <a:spLocks noGrp="1"/>
-          </p:cNvSpPr>
-          <p:nvPr>
-            <p:ph type="ctrTitle"/>
-          </p:nvPr>
-        </p:nvSpPr>
-        <p:spPr>
-          <a:xfrm>
-            <a:off x="1429322" y="2305650"/>
-            <a:ext cx="6767100" cy="532200"/>
-          </a:xfrm>
-          <a:prstGeom prst="rect">
-            <a:avLst/>
-          </a:prstGeom>
-        </p:spPr>
-        <p:txBody>
-          <a:bodyPr spcFirstLastPara="1" wrap="square" lIns="91425" tIns="91425" rIns="91425" bIns="91425" anchor="ctr" anchorCtr="0">
-            <a:noAutofit/>
-          </a:bodyPr>
-          <a:lstStyle/>
-          <a:p>
-            <a:pPr marL="0" lvl="0" indent="0" algn="l" rtl="0">
-              <a:spcBef>
-                <a:spcPts val="0"/>
-              </a:spcBef>
-              <a:spcAft>
-                <a:spcPts val="0"/>
-              </a:spcAft>
-              <a:buNone/>
-            </a:pPr>
-            <a:r>
-              <a:rPr lang="en" sz="2400" dirty="0"/>
-              <a:t>Discrete-event Simulation</a:t>
-            </a:r>
-            <a:endParaRPr sz="2400" dirty="0"/>
-          </a:p>
-        </p:txBody>
-      </p:sp>
-      <p:sp>
-        <p:nvSpPr>
-          <p:cNvPr id="96" name="Google Shape;96;p15"/>
-          <p:cNvSpPr txBox="1"/>
-          <p:nvPr/>
-        </p:nvSpPr>
-        <p:spPr>
-          <a:xfrm>
-            <a:off x="526358" y="2279925"/>
-            <a:ext cx="802500" cy="589800"/>
-          </a:xfrm>
-          <a:prstGeom prst="rect">
-            <a:avLst/>
-          </a:prstGeom>
-          <a:noFill/>
-          <a:ln>
-            <a:noFill/>
-          </a:ln>
-        </p:spPr>
-        <p:txBody>
-          <a:bodyPr spcFirstLastPara="1" wrap="square" lIns="91425" tIns="91425" rIns="91425" bIns="91425" anchor="ctr" anchorCtr="0">
-            <a:noAutofit/>
-          </a:bodyPr>
-          <a:lstStyle/>
-          <a:p>
-            <a:pPr marL="0" lvl="0" indent="0" algn="ctr" rtl="0">
-              <a:spcBef>
-                <a:spcPts val="0"/>
-              </a:spcBef>
-              <a:spcAft>
-                <a:spcPts val="0"/>
-              </a:spcAft>
-              <a:buNone/>
-            </a:pPr>
-            <a:r>
-              <a:rPr lang="en" sz="3000" dirty="0">
-                <a:solidFill>
-                  <a:srgbClr val="2E3037"/>
-                </a:solidFill>
-                <a:latin typeface="Quicksand"/>
-                <a:ea typeface="Quicksand"/>
-                <a:cs typeface="Quicksand"/>
-                <a:sym typeface="Quicksand"/>
-              </a:rPr>
-              <a:t>1</a:t>
-            </a:r>
-            <a:endParaRPr sz="3000" dirty="0">
-              <a:solidFill>
-                <a:srgbClr val="2E3037"/>
-              </a:solidFill>
-              <a:latin typeface="Quicksand"/>
-              <a:ea typeface="Quicksand"/>
-              <a:cs typeface="Quicksand"/>
-              <a:sym typeface="Quicksand"/>
-            </a:endParaRPr>
-          </a:p>
-        </p:txBody>
-      </p:sp>
-      <p:sp>
-        <p:nvSpPr>
-          <p:cNvPr id="97" name="Google Shape;97;p15"/>
-          <p:cNvSpPr txBox="1">
-            <a:spLocks noGrp="1"/>
-          </p:cNvSpPr>
-          <p:nvPr>
-            <p:ph type="sldNum" idx="12"/>
-          </p:nvPr>
-        </p:nvSpPr>
-        <p:spPr>
-          <a:xfrm>
-            <a:off x="8523157" y="4752131"/>
-            <a:ext cx="548700" cy="315300"/>
-          </a:xfrm>
-          <a:prstGeom prst="rect">
-            <a:avLst/>
-          </a:prstGeom>
-        </p:spPr>
-        <p:txBody>
-          <a:bodyPr spcFirstLastPara="1" wrap="square" lIns="91425" tIns="91425" rIns="91425" bIns="91425" anchor="t" anchorCtr="0">
-            <a:noAutofit/>
-          </a:bodyPr>
-          <a:lstStyle/>
-          <a:p>
-            <a:pPr marL="0" lvl="0" indent="0" algn="r" rtl="0">
-              <a:spcBef>
-                <a:spcPts val="0"/>
-              </a:spcBef>
-              <a:spcAft>
-                <a:spcPts val="0"/>
-              </a:spcAft>
-              <a:buNone/>
-            </a:pPr>
-            <a:fld id="{00000000-1234-1234-1234-123412341234}" type="slidenum">
-              <a:rPr lang="en"/>
-              <a:t>3</a:t>
-            </a:fld>
-            <a:endParaRPr/>
-          </a:p>
-        </p:txBody>
-      </p:sp>
-    </p:spTree>
-    <p:extLst>
-      <p:ext uri="{BB962C8B-B14F-4D97-AF65-F5344CB8AC3E}">
-        <p14:creationId xmlns:p14="http://schemas.microsoft.com/office/powerpoint/2010/main" val="1464955604"/>
-      </p:ext>
-    </p:extLst>
-  </p:cSld>
-  <p:clrMapOvr>
-    <a:masterClrMapping/>
-  </p:clrMapOvr>
-</p:sld>
-</file>
-
-<file path=ppt/slides/slide30.xml><?xml version="1.0" encoding="utf-8"?>
+<file path=ppt/slides/slide29.xml><?xml version="1.0" encoding="utf-8"?>
 <p:sld xmlns:a="http://schemas.openxmlformats.org/drawingml/2006/main" xmlns:r="http://schemas.openxmlformats.org/officeDocument/2006/relationships" xmlns:p="http://schemas.openxmlformats.org/presentationml/2006/main" showMasterSp="0">
   <p:cSld>
     <p:spTree>
@@ -38232,7 +37011,7 @@
             </a:pPr>
             <a:fld id="{00000000-1234-1234-1234-123412341234}" type="slidenum">
               <a:rPr lang="en"/>
-              <a:t>30</a:t>
+              <a:t>29</a:t>
             </a:fld>
             <a:endParaRPr/>
           </a:p>
@@ -38281,7 +37060,179 @@
 </p:sld>
 </file>
 
-<file path=ppt/slides/slide31.xml><?xml version="1.0" encoding="utf-8"?>
+<file path=ppt/slides/slide3.xml><?xml version="1.0" encoding="utf-8"?>
+<p:sld xmlns:a="http://schemas.openxmlformats.org/drawingml/2006/main" xmlns:r="http://schemas.openxmlformats.org/officeDocument/2006/relationships" xmlns:p="http://schemas.openxmlformats.org/presentationml/2006/main">
+  <p:cSld>
+    <p:spTree>
+      <p:nvGrpSpPr>
+        <p:cNvPr id="1" name="Shape 93"/>
+        <p:cNvGrpSpPr/>
+        <p:nvPr/>
+      </p:nvGrpSpPr>
+      <p:grpSpPr>
+        <a:xfrm>
+          <a:off x="0" y="0"/>
+          <a:ext cx="0" cy="0"/>
+          <a:chOff x="0" y="0"/>
+          <a:chExt cx="0" cy="0"/>
+        </a:xfrm>
+      </p:grpSpPr>
+      <p:sp>
+        <p:nvSpPr>
+          <p:cNvPr id="94" name="Google Shape;94;p15"/>
+          <p:cNvSpPr txBox="1">
+            <a:spLocks noGrp="1"/>
+          </p:cNvSpPr>
+          <p:nvPr>
+            <p:ph type="ctrTitle"/>
+          </p:nvPr>
+        </p:nvSpPr>
+        <p:spPr>
+          <a:xfrm>
+            <a:off x="1429322" y="2305650"/>
+            <a:ext cx="6767100" cy="532200"/>
+          </a:xfrm>
+          <a:prstGeom prst="rect">
+            <a:avLst/>
+          </a:prstGeom>
+        </p:spPr>
+        <p:txBody>
+          <a:bodyPr spcFirstLastPara="1" wrap="square" lIns="91425" tIns="91425" rIns="91425" bIns="91425" anchor="ctr" anchorCtr="0">
+            <a:noAutofit/>
+          </a:bodyPr>
+          <a:lstStyle/>
+          <a:p>
+            <a:pPr marL="0" lvl="0" indent="0" algn="l" rtl="0">
+              <a:spcBef>
+                <a:spcPts val="0"/>
+              </a:spcBef>
+              <a:spcAft>
+                <a:spcPts val="0"/>
+              </a:spcAft>
+              <a:buNone/>
+            </a:pPr>
+            <a:r>
+              <a:rPr lang="en" sz="2400" dirty="0"/>
+              <a:t>Discrete-event Simulation</a:t>
+            </a:r>
+            <a:endParaRPr sz="2400" dirty="0"/>
+          </a:p>
+        </p:txBody>
+      </p:sp>
+      <p:sp>
+        <p:nvSpPr>
+          <p:cNvPr id="96" name="Google Shape;96;p15"/>
+          <p:cNvSpPr txBox="1"/>
+          <p:nvPr/>
+        </p:nvSpPr>
+        <p:spPr>
+          <a:xfrm>
+            <a:off x="526358" y="2279925"/>
+            <a:ext cx="802500" cy="589800"/>
+          </a:xfrm>
+          <a:prstGeom prst="rect">
+            <a:avLst/>
+          </a:prstGeom>
+          <a:noFill/>
+          <a:ln>
+            <a:noFill/>
+          </a:ln>
+        </p:spPr>
+        <p:txBody>
+          <a:bodyPr spcFirstLastPara="1" wrap="square" lIns="91425" tIns="91425" rIns="91425" bIns="91425" anchor="ctr" anchorCtr="0">
+            <a:noAutofit/>
+          </a:bodyPr>
+          <a:lstStyle/>
+          <a:p>
+            <a:pPr marL="0" lvl="0" indent="0" algn="ctr" rtl="0">
+              <a:spcBef>
+                <a:spcPts val="0"/>
+              </a:spcBef>
+              <a:spcAft>
+                <a:spcPts val="0"/>
+              </a:spcAft>
+              <a:buNone/>
+            </a:pPr>
+            <a:r>
+              <a:rPr lang="en" sz="3000" dirty="0">
+                <a:solidFill>
+                  <a:srgbClr val="2E3037"/>
+                </a:solidFill>
+                <a:latin typeface="Quicksand"/>
+                <a:ea typeface="Quicksand"/>
+                <a:cs typeface="Quicksand"/>
+                <a:sym typeface="Quicksand"/>
+              </a:rPr>
+              <a:t>1</a:t>
+            </a:r>
+            <a:endParaRPr sz="3000" dirty="0">
+              <a:solidFill>
+                <a:srgbClr val="2E3037"/>
+              </a:solidFill>
+              <a:latin typeface="Quicksand"/>
+              <a:ea typeface="Quicksand"/>
+              <a:cs typeface="Quicksand"/>
+              <a:sym typeface="Quicksand"/>
+            </a:endParaRPr>
+          </a:p>
+        </p:txBody>
+      </p:sp>
+      <p:sp>
+        <p:nvSpPr>
+          <p:cNvPr id="97" name="Google Shape;97;p15"/>
+          <p:cNvSpPr txBox="1">
+            <a:spLocks noGrp="1"/>
+          </p:cNvSpPr>
+          <p:nvPr>
+            <p:ph type="sldNum" idx="12"/>
+          </p:nvPr>
+        </p:nvSpPr>
+        <p:spPr>
+          <a:xfrm>
+            <a:off x="8523157" y="4752131"/>
+            <a:ext cx="548700" cy="315300"/>
+          </a:xfrm>
+          <a:prstGeom prst="rect">
+            <a:avLst/>
+          </a:prstGeom>
+        </p:spPr>
+        <p:txBody>
+          <a:bodyPr spcFirstLastPara="1" wrap="square" lIns="91425" tIns="91425" rIns="91425" bIns="91425" anchor="t" anchorCtr="0">
+            <a:noAutofit/>
+          </a:bodyPr>
+          <a:lstStyle/>
+          <a:p>
+            <a:pPr marL="0" lvl="0" indent="0" algn="r" rtl="0">
+              <a:spcBef>
+                <a:spcPts val="0"/>
+              </a:spcBef>
+              <a:spcAft>
+                <a:spcPts val="0"/>
+              </a:spcAft>
+              <a:buNone/>
+            </a:pPr>
+            <a:fld id="{00000000-1234-1234-1234-123412341234}" type="slidenum">
+              <a:rPr lang="en"/>
+              <a:t>3</a:t>
+            </a:fld>
+            <a:endParaRPr/>
+          </a:p>
+        </p:txBody>
+      </p:sp>
+    </p:spTree>
+    <p:extLst>
+      <p:ext uri="{BB962C8B-B14F-4D97-AF65-F5344CB8AC3E}">
+        <p14:creationId xmlns:p14="http://schemas.microsoft.com/office/powerpoint/2010/main" val="1464955604"/>
+      </p:ext>
+    </p:extLst>
+  </p:cSld>
+  <p:clrMapOvr>
+    <a:masterClrMapping/>
+  </p:clrMapOvr>
+</p:sld>
+</file>
+
+<file path=ppt/slides/slide30.xml><?xml version="1.0" encoding="utf-8"?>
 <p:sld xmlns:a="http://schemas.openxmlformats.org/drawingml/2006/main" xmlns:r="http://schemas.openxmlformats.org/officeDocument/2006/relationships" xmlns:p="http://schemas.openxmlformats.org/presentationml/2006/main">
   <p:cSld>
     <p:spTree>
@@ -38376,7 +37327,7 @@
             </a:pPr>
             <a:fld id="{00000000-1234-1234-1234-123412341234}" type="slidenum">
               <a:rPr lang="en"/>
-              <a:t>31</a:t>
+              <a:t>30</a:t>
             </a:fld>
             <a:endParaRPr/>
           </a:p>
@@ -39329,7 +38280,7 @@
 </p:sld>
 </file>
 
-<file path=ppt/slides/slide32.xml><?xml version="1.0" encoding="utf-8"?>
+<file path=ppt/slides/slide31.xml><?xml version="1.0" encoding="utf-8"?>
 <p:sld xmlns:a="http://schemas.openxmlformats.org/drawingml/2006/main" xmlns:r="http://schemas.openxmlformats.org/officeDocument/2006/relationships" xmlns:p="http://schemas.openxmlformats.org/presentationml/2006/main">
   <p:cSld>
     <p:spTree>
@@ -39482,7 +38433,7 @@
             </a:pPr>
             <a:fld id="{00000000-1234-1234-1234-123412341234}" type="slidenum">
               <a:rPr lang="en"/>
-              <a:t>32</a:t>
+              <a:t>31</a:t>
             </a:fld>
             <a:endParaRPr/>
           </a:p>
@@ -40419,7 +39370,7 @@
         <p:spPr>
           <a:xfrm>
             <a:off x="1165475" y="2584796"/>
-            <a:ext cx="2158017" cy="1723435"/>
+            <a:ext cx="2561975" cy="1723435"/>
           </a:xfrm>
           <a:prstGeom prst="rect">
             <a:avLst/>
@@ -40580,7 +39531,7 @@
                 <a:cs typeface="Quicksand"/>
                 <a:sym typeface="Quicksand"/>
               </a:rPr>
-              <a:t>Resources</a:t>
+              <a:t>Shared Resources</a:t>
             </a:r>
             <a:endParaRPr lang="it-IT" dirty="0">
               <a:solidFill>
